--- a/PPT/LLM_Overview_and_Usage.pptx
+++ b/PPT/LLM_Overview_and_Usage.pptx
@@ -24163,7 +24163,7 @@
           <a:p>
             <a:fld id="{5BCAD085-E8A6-8845-BD4E-CB4CCA059FC4}" type="datetimeFigureOut">
               <a:rPr lang="en-US" smtClean="0"/>
-              <a:t>9/10/24</a:t>
+              <a:t>9/12/24</a:t>
             </a:fld>
             <a:endParaRPr lang="en-US"/>
           </a:p>
@@ -24331,7 +24331,7 @@
           <a:p>
             <a:fld id="{5BCAD085-E8A6-8845-BD4E-CB4CCA059FC4}" type="datetimeFigureOut">
               <a:rPr lang="en-US" smtClean="0"/>
-              <a:t>9/10/24</a:t>
+              <a:t>9/12/24</a:t>
             </a:fld>
             <a:endParaRPr lang="en-US"/>
           </a:p>
@@ -24509,7 +24509,7 @@
           <a:p>
             <a:fld id="{5BCAD085-E8A6-8845-BD4E-CB4CCA059FC4}" type="datetimeFigureOut">
               <a:rPr lang="en-US" smtClean="0"/>
-              <a:t>9/10/24</a:t>
+              <a:t>9/12/24</a:t>
             </a:fld>
             <a:endParaRPr lang="en-US"/>
           </a:p>
@@ -24677,7 +24677,7 @@
           <a:p>
             <a:fld id="{5BCAD085-E8A6-8845-BD4E-CB4CCA059FC4}" type="datetimeFigureOut">
               <a:rPr lang="en-US" smtClean="0"/>
-              <a:t>9/10/24</a:t>
+              <a:t>9/12/24</a:t>
             </a:fld>
             <a:endParaRPr lang="en-US"/>
           </a:p>
@@ -24922,7 +24922,7 @@
           <a:p>
             <a:fld id="{5BCAD085-E8A6-8845-BD4E-CB4CCA059FC4}" type="datetimeFigureOut">
               <a:rPr lang="en-US" smtClean="0"/>
-              <a:t>9/10/24</a:t>
+              <a:t>9/12/24</a:t>
             </a:fld>
             <a:endParaRPr lang="en-US"/>
           </a:p>
@@ -25207,7 +25207,7 @@
           <a:p>
             <a:fld id="{5BCAD085-E8A6-8845-BD4E-CB4CCA059FC4}" type="datetimeFigureOut">
               <a:rPr lang="en-US" smtClean="0"/>
-              <a:t>9/10/24</a:t>
+              <a:t>9/12/24</a:t>
             </a:fld>
             <a:endParaRPr lang="en-US"/>
           </a:p>
@@ -25626,7 +25626,7 @@
           <a:p>
             <a:fld id="{5BCAD085-E8A6-8845-BD4E-CB4CCA059FC4}" type="datetimeFigureOut">
               <a:rPr lang="en-US" smtClean="0"/>
-              <a:t>9/10/24</a:t>
+              <a:t>9/12/24</a:t>
             </a:fld>
             <a:endParaRPr lang="en-US"/>
           </a:p>
@@ -25743,7 +25743,7 @@
           <a:p>
             <a:fld id="{5BCAD085-E8A6-8845-BD4E-CB4CCA059FC4}" type="datetimeFigureOut">
               <a:rPr lang="en-US" smtClean="0"/>
-              <a:t>9/10/24</a:t>
+              <a:t>9/12/24</a:t>
             </a:fld>
             <a:endParaRPr lang="en-US"/>
           </a:p>
@@ -25838,7 +25838,7 @@
           <a:p>
             <a:fld id="{5BCAD085-E8A6-8845-BD4E-CB4CCA059FC4}" type="datetimeFigureOut">
               <a:rPr lang="en-US" smtClean="0"/>
-              <a:t>9/10/24</a:t>
+              <a:t>9/12/24</a:t>
             </a:fld>
             <a:endParaRPr lang="en-US"/>
           </a:p>
@@ -26113,7 +26113,7 @@
           <a:p>
             <a:fld id="{5BCAD085-E8A6-8845-BD4E-CB4CCA059FC4}" type="datetimeFigureOut">
               <a:rPr lang="en-US" smtClean="0"/>
-              <a:t>9/10/24</a:t>
+              <a:t>9/12/24</a:t>
             </a:fld>
             <a:endParaRPr lang="en-US"/>
           </a:p>
@@ -26365,7 +26365,7 @@
           <a:p>
             <a:fld id="{5BCAD085-E8A6-8845-BD4E-CB4CCA059FC4}" type="datetimeFigureOut">
               <a:rPr lang="en-US" smtClean="0"/>
-              <a:t>9/10/24</a:t>
+              <a:t>9/12/24</a:t>
             </a:fld>
             <a:endParaRPr lang="en-US"/>
           </a:p>
@@ -26576,7 +26576,7 @@
           <a:p>
             <a:fld id="{5BCAD085-E8A6-8845-BD4E-CB4CCA059FC4}" type="datetimeFigureOut">
               <a:rPr lang="en-US" smtClean="0"/>
-              <a:t>9/10/24</a:t>
+              <a:t>9/12/24</a:t>
             </a:fld>
             <a:endParaRPr lang="en-US"/>
           </a:p>
@@ -28259,18 +28259,18 @@
               <a:buNone/>
             </a:pPr>
             <a:r>
-              <a:rPr lang="en-US" sz="1700">
+              <a:rPr lang="en-US" sz="1700" dirty="0">
                 <a:hlinkClick r:id="rId2"/>
               </a:rPr>
               <a:t>https://colab.research.google.com/drive/1mAP8d-pjD0D4BKi0UVlcfie-kuLa4-QI#scrollTo=cZwUO9yMvJwY</a:t>
             </a:r>
-            <a:endParaRPr lang="en-US" sz="1700"/>
+            <a:endParaRPr lang="en-US" sz="1700" dirty="0"/>
           </a:p>
           <a:p>
             <a:pPr marL="0" indent="0">
               <a:buNone/>
             </a:pPr>
-            <a:endParaRPr lang="en-US" sz="1700"/>
+            <a:endParaRPr lang="en-US" sz="1700" dirty="0"/>
           </a:p>
         </p:txBody>
       </p:sp>
